--- a/大数据导论/2024年国赛A题/2024国赛A题.pptx
+++ b/大数据导论/2024年国赛A题/2024国赛A题.pptx
@@ -6866,8 +6866,8 @@
         </p:nvSpPr>
         <p:spPr>
           <a:xfrm>
-            <a:off x="6621145" y="2581275"/>
-            <a:ext cx="4263390" cy="4276090"/>
+            <a:off x="6193155" y="2371725"/>
+            <a:ext cx="4691380" cy="4485640"/>
           </a:xfrm>
           <a:prstGeom prst="rect">
             <a:avLst/>
@@ -6883,7 +6883,7 @@
               <a:rPr lang="zh-CN" altLang="en-US">
                 <a:sym typeface="+mn-ea"/>
               </a:rPr>
-              <a:t>用投影法：</a:t>
+              <a:t>即：</a:t>
             </a:r>
             <a:r>
               <a:rPr lang="zh-CN" altLang="en-US">
@@ -7029,31 +7029,7 @@
             </a:r>
             <a:r>
               <a:rPr lang="zh-CN" altLang="en-US"/>
-              <a:t>（就像漫画手绘了</a:t>
-            </a:r>
-            <a:r>
-              <a:rPr lang="en-US" altLang="zh-CN"/>
-              <a:t> n </a:t>
-            </a:r>
-            <a:r>
-              <a:rPr lang="zh-CN" altLang="en-US"/>
-              <a:t>张，然后快速放映一样，实际上由</a:t>
-            </a:r>
-            <a:r>
-              <a:rPr lang="en-US" altLang="zh-CN"/>
-              <a:t> n </a:t>
-            </a:r>
-            <a:r>
-              <a:rPr lang="zh-CN" altLang="en-US"/>
-              <a:t>帧构成</a:t>
-            </a:r>
-            <a:r>
-              <a:rPr lang="en-US" altLang="zh-CN"/>
-              <a:t> </a:t>
-            </a:r>
-            <a:r>
-              <a:rPr lang="zh-CN" altLang="en-US"/>
-              <a:t>）</a:t>
+              <a:t>（就像一帧一帧的电影一样）</a:t>
             </a:r>
             <a:endParaRPr lang="zh-CN" altLang="en-US"/>
           </a:p>
@@ -7358,14 +7334,14 @@
           <a:p>
             <a:r>
               <a:rPr lang="zh-CN" altLang="en-US"/>
-              <a:t>还有个问题？（哪个点会碰撞？）</a:t>
-            </a:r>
-            <a:endParaRPr lang="zh-CN" altLang="en-US"/>
-          </a:p>
-          <a:p>
-            <a:r>
-              <a:rPr lang="zh-CN" altLang="en-US"/>
-              <a:t>答：一定是龙头的</a:t>
+              <a:t>还有个问题？（哪个点最先碰撞？）</a:t>
+            </a:r>
+            <a:endParaRPr lang="zh-CN" altLang="en-US"/>
+          </a:p>
+          <a:p>
+            <a:r>
+              <a:rPr lang="zh-CN" altLang="en-US"/>
+              <a:t>答：一定是龙头的，因为龙头所在的位置的极经是最小的</a:t>
             </a:r>
             <a:endParaRPr lang="zh-CN" altLang="en-US"/>
           </a:p>
@@ -7456,7 +7432,7 @@
           <a:p>
             <a:r>
               <a:rPr lang="zh-CN" altLang="en-US"/>
-              <a:t>先跑一遍，求出大概的碰撞时间，比如</a:t>
+              <a:t>先跑一遍代码，求出大概的碰撞时间，比如</a:t>
             </a:r>
             <a:r>
               <a:rPr lang="en-US" altLang="zh-CN"/>
@@ -8446,10 +8422,6 @@
             <a:noAutofit/>
           </a:bodyPr>
           <a:p>
-            <a:r>
-              <a:rPr lang="zh-CN" altLang="en-US"/>
-              <a:t>如果问题一，问题二上强度，那么这问题三就是送分，问题四又是强度，问题五也是送分（问题五较开放）</a:t>
-            </a:r>
             <a:endParaRPr lang="zh-CN" altLang="en-US"/>
           </a:p>
         </p:txBody>
@@ -8470,7 +8442,7 @@
         </p:blipFill>
         <p:spPr>
           <a:xfrm>
-            <a:off x="266065" y="1212850"/>
+            <a:off x="266065" y="787400"/>
             <a:ext cx="8439150" cy="2562225"/>
           </a:xfrm>
           <a:prstGeom prst="rect">
@@ -8486,8 +8458,8 @@
         </p:nvSpPr>
         <p:spPr>
           <a:xfrm>
-            <a:off x="266065" y="4044315"/>
-            <a:ext cx="9699625" cy="489585"/>
+            <a:off x="266065" y="3548380"/>
+            <a:ext cx="9699625" cy="518795"/>
           </a:xfrm>
           <a:prstGeom prst="rect">
             <a:avLst/>
@@ -8805,7 +8777,7 @@
         <p:spPr>
           <a:xfrm>
             <a:off x="5194935" y="217805"/>
-            <a:ext cx="6478905" cy="6544310"/>
+            <a:ext cx="6478905" cy="6183630"/>
           </a:xfrm>
           <a:prstGeom prst="rect">
             <a:avLst/>
@@ -9671,7 +9643,7 @@
         <p:spPr>
           <a:xfrm>
             <a:off x="265430" y="1750695"/>
-            <a:ext cx="11926570" cy="1238885"/>
+            <a:ext cx="11926570" cy="996950"/>
           </a:xfrm>
           <a:prstGeom prst="rect">
             <a:avLst/>
@@ -9749,13 +9721,19 @@
             </a:r>
             <a:r>
               <a:rPr lang="en-US" altLang="zh-CN"/>
-              <a:t>GIthub</a:t>
+              <a:t>Github</a:t>
             </a:r>
             <a:r>
               <a:rPr lang="zh-CN" altLang="en-US"/>
               <a:t>：</a:t>
             </a:r>
-            <a:endParaRPr lang="zh-CN" altLang="en-US"/>
+            <a:r>
+              <a:rPr lang="en-US" altLang="zh-CN">
+                <a:hlinkClick r:id="rId2" tooltip="" action="ppaction://hlinkfile"/>
+              </a:rPr>
+              <a:t>https://github.com/tanrun0/school_homework_code/tree/main</a:t>
+            </a:r>
+            <a:endParaRPr lang="en-US" altLang="zh-CN"/>
           </a:p>
         </p:txBody>
       </p:sp>
@@ -11818,7 +11796,7 @@
             </a:r>
             <a:r>
               <a:rPr lang="en-US" altLang="zh-CN"/>
-              <a:t> 55 m</a:t>
+              <a:t> 55 cm</a:t>
             </a:r>
             <a:r>
               <a:rPr lang="zh-CN" altLang="en-US"/>
@@ -12059,7 +12037,7 @@
         <p:spPr>
           <a:xfrm>
             <a:off x="266065" y="694055"/>
-            <a:ext cx="8242935" cy="652780"/>
+            <a:ext cx="8242935" cy="367665"/>
           </a:xfrm>
           <a:prstGeom prst="rect">
             <a:avLst/>
@@ -12073,7 +12051,7 @@
           <a:p>
             <a:r>
               <a:rPr lang="zh-CN" altLang="en-US"/>
-              <a:t>要求：龙头运动时，每个时刻的前把手和后把手的位置与速度</a:t>
+              <a:t>要求：龙队往里盘旋，每秒时，所有把手的位置与速度</a:t>
             </a:r>
             <a:endParaRPr lang="zh-CN" altLang="en-US"/>
           </a:p>
@@ -12087,8 +12065,8 @@
         </p:nvSpPr>
         <p:spPr>
           <a:xfrm>
-            <a:off x="349885" y="1283970"/>
-            <a:ext cx="9794875" cy="982345"/>
+            <a:off x="349885" y="1107440"/>
+            <a:ext cx="9794875" cy="407670"/>
           </a:xfrm>
           <a:prstGeom prst="rect">
             <a:avLst/>
@@ -12102,17 +12080,7 @@
           <a:p>
             <a:r>
               <a:rPr lang="zh-CN" altLang="en-US"/>
-              <a:t>首先，阿基米德螺线的方程得会写吧。</a:t>
-            </a:r>
-            <a:endParaRPr lang="zh-CN" altLang="en-US"/>
-          </a:p>
-          <a:p>
-            <a:endParaRPr lang="zh-CN" altLang="en-US"/>
-          </a:p>
-          <a:p>
-            <a:r>
-              <a:rPr lang="zh-CN" altLang="en-US"/>
-              <a:t>两种选择：极坐标</a:t>
+              <a:t>阿基米德螺线的方程：两种选择：极坐标</a:t>
             </a:r>
             <a:r>
               <a:rPr lang="en-US" altLang="zh-CN"/>
@@ -12176,7 +12144,7 @@
         </p:blipFill>
         <p:spPr>
           <a:xfrm>
-            <a:off x="441325" y="2265045"/>
+            <a:off x="441325" y="1513840"/>
             <a:ext cx="2981325" cy="1962150"/>
           </a:xfrm>
           <a:prstGeom prst="rect">
@@ -12200,7 +12168,7 @@
         </p:blipFill>
         <p:spPr>
           <a:xfrm>
-            <a:off x="4200525" y="2265680"/>
+            <a:off x="4200525" y="1514475"/>
             <a:ext cx="4592955" cy="567690"/>
           </a:xfrm>
           <a:prstGeom prst="rect">
@@ -12216,7 +12184,7 @@
         </p:nvCxnSpPr>
         <p:spPr>
           <a:xfrm flipV="1">
-            <a:off x="3545840" y="2997200"/>
+            <a:off x="3545840" y="2245995"/>
             <a:ext cx="457200" cy="10160"/>
           </a:xfrm>
           <a:prstGeom prst="straightConnector1">
@@ -12249,7 +12217,7 @@
         </p:nvSpPr>
         <p:spPr>
           <a:xfrm>
-            <a:off x="4200525" y="3429000"/>
+            <a:off x="4200525" y="2644775"/>
             <a:ext cx="7839075" cy="535940"/>
           </a:xfrm>
           <a:prstGeom prst="rect">
@@ -12278,7 +12246,7 @@
         </p:nvSpPr>
         <p:spPr>
           <a:xfrm>
-            <a:off x="4343400" y="3965575"/>
+            <a:off x="4343400" y="3214370"/>
             <a:ext cx="4089400" cy="395605"/>
           </a:xfrm>
           <a:prstGeom prst="rect">
@@ -12303,8 +12271,8 @@
         </p:nvSpPr>
         <p:spPr>
           <a:xfrm>
-            <a:off x="350520" y="4434205"/>
-            <a:ext cx="4434840" cy="2110740"/>
+            <a:off x="350520" y="3649980"/>
+            <a:ext cx="4434840" cy="1566545"/>
           </a:xfrm>
           <a:prstGeom prst="rect">
             <a:avLst/>
@@ -12332,7 +12300,7 @@
             </a:r>
             <a:r>
               <a:rPr lang="zh-CN" altLang="en-US"/>
-              <a:t>不是圆（废话）</a:t>
+              <a:t>不是圆</a:t>
             </a:r>
             <a:endParaRPr lang="zh-CN" altLang="en-US"/>
           </a:p>
@@ -12368,7 +12336,7 @@
         </p:blipFill>
         <p:spPr>
           <a:xfrm>
-            <a:off x="3422650" y="4560570"/>
+            <a:off x="3422650" y="3809365"/>
             <a:ext cx="1047750" cy="723900"/>
           </a:xfrm>
           <a:prstGeom prst="rect">
@@ -12384,8 +12352,8 @@
         </p:nvSpPr>
         <p:spPr>
           <a:xfrm>
-            <a:off x="5401310" y="4227195"/>
-            <a:ext cx="6459855" cy="2419350"/>
+            <a:off x="5401310" y="3442970"/>
+            <a:ext cx="6459855" cy="1794510"/>
           </a:xfrm>
           <a:prstGeom prst="rect">
             <a:avLst/>
@@ -12473,7 +12441,7 @@
         </p:nvSpPr>
         <p:spPr>
           <a:xfrm>
-            <a:off x="4200525" y="2955925"/>
+            <a:off x="4200525" y="2204720"/>
             <a:ext cx="6766560" cy="561975"/>
           </a:xfrm>
           <a:prstGeom prst="rect">
@@ -12495,6 +12463,86 @@
               <a:t>r = 16 * 55 + 55 * theta</a:t>
             </a:r>
             <a:endParaRPr lang="en-US" altLang="zh-CN"/>
+          </a:p>
+        </p:txBody>
+      </p:sp>
+      <p:sp>
+        <p:nvSpPr>
+          <p:cNvPr id="3" name="文本框 2"/>
+          <p:cNvSpPr txBox="1"/>
+          <p:nvPr/>
+        </p:nvSpPr>
+        <p:spPr>
+          <a:xfrm>
+            <a:off x="441325" y="5309235"/>
+            <a:ext cx="11419205" cy="1322070"/>
+          </a:xfrm>
+          <a:prstGeom prst="rect">
+            <a:avLst/>
+          </a:prstGeom>
+          <a:noFill/>
+        </p:spPr>
+        <p:txBody>
+          <a:bodyPr wrap="square" rtlCol="0">
+            <a:noAutofit/>
+          </a:bodyPr>
+          <a:p>
+            <a:r>
+              <a:rPr lang="zh-CN" altLang="en-US">
+                <a:sym typeface="+mn-ea"/>
+              </a:rPr>
+              <a:t>两种求法：</a:t>
+            </a:r>
+            <a:endParaRPr lang="zh-CN" altLang="en-US">
+              <a:sym typeface="+mn-ea"/>
+            </a:endParaRPr>
+          </a:p>
+          <a:p>
+            <a:endParaRPr lang="zh-CN" altLang="en-US">
+              <a:sym typeface="+mn-ea"/>
+            </a:endParaRPr>
+          </a:p>
+          <a:p>
+            <a:r>
+              <a:rPr lang="en-US" altLang="zh-CN">
+                <a:sym typeface="+mn-ea"/>
+              </a:rPr>
+              <a:t>1. </a:t>
+            </a:r>
+            <a:r>
+              <a:rPr lang="zh-CN" altLang="en-US">
+                <a:sym typeface="+mn-ea"/>
+              </a:rPr>
+              <a:t>先求出</a:t>
+            </a:r>
+            <a:r>
+              <a:rPr lang="en-US" altLang="zh-CN">
+                <a:sym typeface="+mn-ea"/>
+              </a:rPr>
+              <a:t> 0 </a:t>
+            </a:r>
+            <a:r>
+              <a:rPr lang="zh-CN" altLang="en-US">
+                <a:sym typeface="+mn-ea"/>
+              </a:rPr>
+              <a:t>秒时，所有把手的位置，然后对每个把手进行模拟运动，求出其他时刻对应的位置</a:t>
+            </a:r>
+            <a:endParaRPr lang="zh-CN" altLang="en-US"/>
+          </a:p>
+          <a:p>
+            <a:r>
+              <a:rPr lang="en-US" altLang="zh-CN">
+                <a:sym typeface="+mn-ea"/>
+              </a:rPr>
+              <a:t>2. </a:t>
+            </a:r>
+            <a:r>
+              <a:rPr lang="zh-CN" altLang="en-US">
+                <a:sym typeface="+mn-ea"/>
+              </a:rPr>
+              <a:t>先求出一个把手在每一时刻的位置，然后利用这一个把手求出其他把手的位置</a:t>
+            </a:r>
+            <a:endParaRPr lang="zh-CN" altLang="en-US"/>
           </a:p>
         </p:txBody>
       </p:sp>
@@ -12945,8 +12993,8 @@
         </p:blipFill>
         <p:spPr>
           <a:xfrm>
-            <a:off x="7696835" y="1147445"/>
-            <a:ext cx="4261485" cy="3399790"/>
+            <a:off x="7487285" y="979805"/>
+            <a:ext cx="4471035" cy="3567430"/>
           </a:xfrm>
           <a:prstGeom prst="rect">
             <a:avLst/>
@@ -12999,7 +13047,7 @@
         <p:spPr>
           <a:xfrm>
             <a:off x="635" y="635"/>
-            <a:ext cx="4891405" cy="1249680"/>
+            <a:ext cx="5100320" cy="1249680"/>
           </a:xfrm>
           <a:prstGeom prst="rect">
             <a:avLst/>
@@ -13314,8 +13362,8 @@
         </p:nvSpPr>
         <p:spPr>
           <a:xfrm>
-            <a:off x="97155" y="5171440"/>
-            <a:ext cx="4794885" cy="506095"/>
+            <a:off x="0" y="5171440"/>
+            <a:ext cx="4892040" cy="506095"/>
           </a:xfrm>
           <a:prstGeom prst="rect">
             <a:avLst/>
@@ -13327,6 +13375,10 @@
             <a:noAutofit/>
           </a:bodyPr>
           <a:p>
+            <a:r>
+              <a:rPr lang="en-US" altLang="zh-CN"/>
+              <a:t>   </a:t>
+            </a:r>
             <a:r>
               <a:rPr lang="zh-CN" altLang="en-US"/>
               <a:t>通过方程：先</a:t>
@@ -13856,8 +13908,8 @@
         </p:nvSpPr>
         <p:spPr>
           <a:xfrm>
-            <a:off x="266700" y="2185035"/>
-            <a:ext cx="11772900" cy="530225"/>
+            <a:off x="330200" y="2185035"/>
+            <a:ext cx="11709400" cy="530225"/>
           </a:xfrm>
           <a:prstGeom prst="rect">
             <a:avLst/>
@@ -13972,7 +14024,7 @@
           <a:p>
             <a:r>
               <a:rPr lang="zh-CN" altLang="en-US"/>
-              <a:t>这个问题太宏大，我们依次解决小问题：</a:t>
+              <a:t>我们把问题拆分成多个小问题：</a:t>
             </a:r>
             <a:endParaRPr lang="zh-CN" altLang="en-US"/>
           </a:p>
